--- a/image/draft.pptx
+++ b/image/draft.pptx
@@ -11,6 +11,7 @@
     <p:sldId id="256" r:id="rId5"/>
     <p:sldId id="257" r:id="rId6"/>
     <p:sldId id="258" r:id="rId7"/>
+    <p:sldId id="264" r:id="rId8"/>
   </p:sldIdLst>
   <p:sldSz cx="12192000" cy="6858000"/>
   <p:notesSz cx="6858000" cy="9144000"/>
@@ -136,6 +137,7 @@
         <p14:section name="svm_kernel" id="{5202002B-19F9-41BF-9117-6302B71CC383}">
           <p14:sldIdLst>
             <p14:sldId id="258"/>
+            <p14:sldId id="264"/>
           </p14:sldIdLst>
         </p14:section>
       </p14:sectionLst>
@@ -294,7 +296,7 @@
           <a:p>
             <a:fld id="{DC00918D-4361-4CFD-83C0-A19C315B9995}" type="datetimeFigureOut">
               <a:rPr lang="en-US" smtClean="0"/>
-              <a:t>04-01-2021</a:t>
+              <a:t>12/16/21</a:t>
             </a:fld>
             <a:endParaRPr lang="en-US"/>
           </a:p>
@@ -492,7 +494,7 @@
           <a:p>
             <a:fld id="{DC00918D-4361-4CFD-83C0-A19C315B9995}" type="datetimeFigureOut">
               <a:rPr lang="en-US" smtClean="0"/>
-              <a:t>04-01-2021</a:t>
+              <a:t>12/16/21</a:t>
             </a:fld>
             <a:endParaRPr lang="en-US"/>
           </a:p>
@@ -700,7 +702,7 @@
           <a:p>
             <a:fld id="{DC00918D-4361-4CFD-83C0-A19C315B9995}" type="datetimeFigureOut">
               <a:rPr lang="en-US" smtClean="0"/>
-              <a:t>04-01-2021</a:t>
+              <a:t>12/16/21</a:t>
             </a:fld>
             <a:endParaRPr lang="en-US"/>
           </a:p>
@@ -898,7 +900,7 @@
           <a:p>
             <a:fld id="{DC00918D-4361-4CFD-83C0-A19C315B9995}" type="datetimeFigureOut">
               <a:rPr lang="en-US" smtClean="0"/>
-              <a:t>04-01-2021</a:t>
+              <a:t>12/16/21</a:t>
             </a:fld>
             <a:endParaRPr lang="en-US"/>
           </a:p>
@@ -1173,7 +1175,7 @@
           <a:p>
             <a:fld id="{DC00918D-4361-4CFD-83C0-A19C315B9995}" type="datetimeFigureOut">
               <a:rPr lang="en-US" smtClean="0"/>
-              <a:t>04-01-2021</a:t>
+              <a:t>12/16/21</a:t>
             </a:fld>
             <a:endParaRPr lang="en-US"/>
           </a:p>
@@ -1438,7 +1440,7 @@
           <a:p>
             <a:fld id="{DC00918D-4361-4CFD-83C0-A19C315B9995}" type="datetimeFigureOut">
               <a:rPr lang="en-US" smtClean="0"/>
-              <a:t>04-01-2021</a:t>
+              <a:t>12/16/21</a:t>
             </a:fld>
             <a:endParaRPr lang="en-US"/>
           </a:p>
@@ -1850,7 +1852,7 @@
           <a:p>
             <a:fld id="{DC00918D-4361-4CFD-83C0-A19C315B9995}" type="datetimeFigureOut">
               <a:rPr lang="en-US" smtClean="0"/>
-              <a:t>04-01-2021</a:t>
+              <a:t>12/16/21</a:t>
             </a:fld>
             <a:endParaRPr lang="en-US"/>
           </a:p>
@@ -1991,7 +1993,7 @@
           <a:p>
             <a:fld id="{DC00918D-4361-4CFD-83C0-A19C315B9995}" type="datetimeFigureOut">
               <a:rPr lang="en-US" smtClean="0"/>
-              <a:t>04-01-2021</a:t>
+              <a:t>12/16/21</a:t>
             </a:fld>
             <a:endParaRPr lang="en-US"/>
           </a:p>
@@ -2104,7 +2106,7 @@
           <a:p>
             <a:fld id="{DC00918D-4361-4CFD-83C0-A19C315B9995}" type="datetimeFigureOut">
               <a:rPr lang="en-US" smtClean="0"/>
-              <a:t>04-01-2021</a:t>
+              <a:t>12/16/21</a:t>
             </a:fld>
             <a:endParaRPr lang="en-US"/>
           </a:p>
@@ -2415,7 +2417,7 @@
           <a:p>
             <a:fld id="{DC00918D-4361-4CFD-83C0-A19C315B9995}" type="datetimeFigureOut">
               <a:rPr lang="en-US" smtClean="0"/>
-              <a:t>04-01-2021</a:t>
+              <a:t>12/16/21</a:t>
             </a:fld>
             <a:endParaRPr lang="en-US"/>
           </a:p>
@@ -2703,7 +2705,7 @@
           <a:p>
             <a:fld id="{DC00918D-4361-4CFD-83C0-A19C315B9995}" type="datetimeFigureOut">
               <a:rPr lang="en-US" smtClean="0"/>
-              <a:t>04-01-2021</a:t>
+              <a:t>12/16/21</a:t>
             </a:fld>
             <a:endParaRPr lang="en-US"/>
           </a:p>
@@ -2944,7 +2946,7 @@
           <a:p>
             <a:fld id="{DC00918D-4361-4CFD-83C0-A19C315B9995}" type="datetimeFigureOut">
               <a:rPr lang="en-US" smtClean="0"/>
-              <a:t>04-01-2021</a:t>
+              <a:t>12/16/21</a:t>
             </a:fld>
             <a:endParaRPr lang="en-US"/>
           </a:p>
@@ -12264,6 +12266,948 @@
 </p:sld>
 </file>
 
+<file path=ppt/slides/slide7.xml><?xml version="1.0" encoding="utf-8"?>
+<p:sld xmlns:a="http://schemas.openxmlformats.org/drawingml/2006/main" xmlns:r="http://schemas.openxmlformats.org/officeDocument/2006/relationships" xmlns:p="http://schemas.openxmlformats.org/presentationml/2006/main">
+  <p:cSld>
+    <p:spTree>
+      <p:nvGrpSpPr>
+        <p:cNvPr id="1" name=""/>
+        <p:cNvGrpSpPr/>
+        <p:nvPr/>
+      </p:nvGrpSpPr>
+      <p:grpSpPr>
+        <a:xfrm>
+          <a:off x="0" y="0"/>
+          <a:ext cx="0" cy="0"/>
+          <a:chOff x="0" y="0"/>
+          <a:chExt cx="0" cy="0"/>
+        </a:xfrm>
+      </p:grpSpPr>
+      <p:sp>
+        <p:nvSpPr>
+          <p:cNvPr id="2" name="Rectangle 1">
+            <a:extLst>
+              <a:ext uri="{FF2B5EF4-FFF2-40B4-BE49-F238E27FC236}">
+                <a16:creationId xmlns:a16="http://schemas.microsoft.com/office/drawing/2014/main" id="{8C9D33C7-C50A-1E4D-8A7D-64F9949D8D24}"/>
+              </a:ext>
+            </a:extLst>
+          </p:cNvPr>
+          <p:cNvSpPr/>
+          <p:nvPr/>
+        </p:nvSpPr>
+        <p:spPr>
+          <a:xfrm>
+            <a:off x="2688116" y="1575413"/>
+            <a:ext cx="1806766" cy="2456761"/>
+          </a:xfrm>
+          <a:prstGeom prst="rect">
+            <a:avLst/>
+          </a:prstGeom>
+          <a:noFill/>
+          <a:ln w="19050">
+            <a:solidFill>
+              <a:schemeClr val="tx1">
+                <a:lumMod val="75000"/>
+                <a:lumOff val="25000"/>
+              </a:schemeClr>
+            </a:solidFill>
+          </a:ln>
+        </p:spPr>
+        <p:style>
+          <a:lnRef idx="2">
+            <a:schemeClr val="accent1">
+              <a:shade val="50000"/>
+            </a:schemeClr>
+          </a:lnRef>
+          <a:fillRef idx="1">
+            <a:schemeClr val="accent1"/>
+          </a:fillRef>
+          <a:effectRef idx="0">
+            <a:schemeClr val="accent1"/>
+          </a:effectRef>
+          <a:fontRef idx="minor">
+            <a:schemeClr val="lt1"/>
+          </a:fontRef>
+        </p:style>
+        <p:txBody>
+          <a:bodyPr rtlCol="0" anchor="ctr"/>
+          <a:lstStyle/>
+          <a:p>
+            <a:pPr algn="ctr"/>
+            <a:endParaRPr lang="en-VN"/>
+          </a:p>
+        </p:txBody>
+      </p:sp>
+      <p:sp>
+        <p:nvSpPr>
+          <p:cNvPr id="3" name="TextBox 2">
+            <a:extLst>
+              <a:ext uri="{FF2B5EF4-FFF2-40B4-BE49-F238E27FC236}">
+                <a16:creationId xmlns:a16="http://schemas.microsoft.com/office/drawing/2014/main" id="{7EB7399B-CEB8-6844-9C59-DFA9062DF8D1}"/>
+              </a:ext>
+            </a:extLst>
+          </p:cNvPr>
+          <p:cNvSpPr txBox="1"/>
+          <p:nvPr/>
+        </p:nvSpPr>
+        <p:spPr>
+          <a:xfrm>
+            <a:off x="2688116" y="1575413"/>
+            <a:ext cx="429658" cy="338554"/>
+          </a:xfrm>
+          <a:prstGeom prst="rect">
+            <a:avLst/>
+          </a:prstGeom>
+          <a:noFill/>
+        </p:spPr>
+        <p:txBody>
+          <a:bodyPr wrap="square" rtlCol="0">
+            <a:spAutoFit/>
+          </a:bodyPr>
+          <a:lstStyle/>
+          <a:p>
+            <a:r>
+              <a:rPr lang="en-VN" sz="1600" b="1">
+                <a:latin typeface="Times" pitchFamily="2" charset="0"/>
+              </a:rPr>
+              <a:t>R</a:t>
+            </a:r>
+          </a:p>
+        </p:txBody>
+      </p:sp>
+      <p:cxnSp>
+        <p:nvCxnSpPr>
+          <p:cNvPr id="5" name="Straight Arrow Connector 4">
+            <a:extLst>
+              <a:ext uri="{FF2B5EF4-FFF2-40B4-BE49-F238E27FC236}">
+                <a16:creationId xmlns:a16="http://schemas.microsoft.com/office/drawing/2014/main" id="{D3A2D082-17B0-304C-9A95-A01EC0E1190B}"/>
+              </a:ext>
+            </a:extLst>
+          </p:cNvPr>
+          <p:cNvCxnSpPr>
+            <a:cxnSpLocks/>
+          </p:cNvCxnSpPr>
+          <p:nvPr/>
+        </p:nvCxnSpPr>
+        <p:spPr>
+          <a:xfrm>
+            <a:off x="2688116" y="1377109"/>
+            <a:ext cx="1806766" cy="0"/>
+          </a:xfrm>
+          <a:prstGeom prst="straightConnector1">
+            <a:avLst/>
+          </a:prstGeom>
+          <a:ln w="6350">
+            <a:solidFill>
+              <a:schemeClr val="tx1">
+                <a:lumMod val="75000"/>
+                <a:lumOff val="25000"/>
+              </a:schemeClr>
+            </a:solidFill>
+            <a:headEnd type="stealth"/>
+            <a:tailEnd type="stealth"/>
+          </a:ln>
+        </p:spPr>
+        <p:style>
+          <a:lnRef idx="1">
+            <a:schemeClr val="accent1"/>
+          </a:lnRef>
+          <a:fillRef idx="0">
+            <a:schemeClr val="accent1"/>
+          </a:fillRef>
+          <a:effectRef idx="0">
+            <a:schemeClr val="accent1"/>
+          </a:effectRef>
+          <a:fontRef idx="minor">
+            <a:schemeClr val="tx1"/>
+          </a:fontRef>
+        </p:style>
+      </p:cxnSp>
+      <p:sp>
+        <p:nvSpPr>
+          <p:cNvPr id="9" name="TextBox 8">
+            <a:extLst>
+              <a:ext uri="{FF2B5EF4-FFF2-40B4-BE49-F238E27FC236}">
+                <a16:creationId xmlns:a16="http://schemas.microsoft.com/office/drawing/2014/main" id="{05D769BE-2FC6-6346-8A59-FFBAC3108A0B}"/>
+              </a:ext>
+            </a:extLst>
+          </p:cNvPr>
+          <p:cNvSpPr txBox="1"/>
+          <p:nvPr/>
+        </p:nvSpPr>
+        <p:spPr>
+          <a:xfrm>
+            <a:off x="3376670" y="1091720"/>
+            <a:ext cx="429658" cy="338554"/>
+          </a:xfrm>
+          <a:prstGeom prst="rect">
+            <a:avLst/>
+          </a:prstGeom>
+          <a:noFill/>
+        </p:spPr>
+        <p:txBody>
+          <a:bodyPr wrap="square" rtlCol="0">
+            <a:spAutoFit/>
+          </a:bodyPr>
+          <a:lstStyle/>
+          <a:p>
+            <a:pPr algn="ctr"/>
+            <a:r>
+              <a:rPr lang="en-VN" sz="1600" i="1">
+                <a:latin typeface="Times" pitchFamily="2" charset="0"/>
+              </a:rPr>
+              <a:t>n</a:t>
+            </a:r>
+          </a:p>
+        </p:txBody>
+      </p:sp>
+      <p:cxnSp>
+        <p:nvCxnSpPr>
+          <p:cNvPr id="10" name="Straight Arrow Connector 9">
+            <a:extLst>
+              <a:ext uri="{FF2B5EF4-FFF2-40B4-BE49-F238E27FC236}">
+                <a16:creationId xmlns:a16="http://schemas.microsoft.com/office/drawing/2014/main" id="{92A92E9C-D10C-C749-B70B-FBE2BF01782F}"/>
+              </a:ext>
+            </a:extLst>
+          </p:cNvPr>
+          <p:cNvCxnSpPr>
+            <a:cxnSpLocks/>
+          </p:cNvCxnSpPr>
+          <p:nvPr/>
+        </p:nvCxnSpPr>
+        <p:spPr>
+          <a:xfrm>
+            <a:off x="2497440" y="1575413"/>
+            <a:ext cx="0" cy="2456761"/>
+          </a:xfrm>
+          <a:prstGeom prst="straightConnector1">
+            <a:avLst/>
+          </a:prstGeom>
+          <a:ln w="6350">
+            <a:solidFill>
+              <a:schemeClr val="tx1">
+                <a:lumMod val="75000"/>
+                <a:lumOff val="25000"/>
+              </a:schemeClr>
+            </a:solidFill>
+            <a:headEnd type="stealth"/>
+            <a:tailEnd type="stealth"/>
+          </a:ln>
+        </p:spPr>
+        <p:style>
+          <a:lnRef idx="1">
+            <a:schemeClr val="accent1"/>
+          </a:lnRef>
+          <a:fillRef idx="0">
+            <a:schemeClr val="accent1"/>
+          </a:fillRef>
+          <a:effectRef idx="0">
+            <a:schemeClr val="accent1"/>
+          </a:effectRef>
+          <a:fontRef idx="minor">
+            <a:schemeClr val="tx1"/>
+          </a:fontRef>
+        </p:style>
+      </p:cxnSp>
+      <p:sp>
+        <p:nvSpPr>
+          <p:cNvPr id="15" name="TextBox 14">
+            <a:extLst>
+              <a:ext uri="{FF2B5EF4-FFF2-40B4-BE49-F238E27FC236}">
+                <a16:creationId xmlns:a16="http://schemas.microsoft.com/office/drawing/2014/main" id="{B94FAF4F-2998-214F-BE58-6FA61D133575}"/>
+              </a:ext>
+            </a:extLst>
+          </p:cNvPr>
+          <p:cNvSpPr txBox="1"/>
+          <p:nvPr/>
+        </p:nvSpPr>
+        <p:spPr>
+          <a:xfrm>
+            <a:off x="2122676" y="2634516"/>
+            <a:ext cx="429658" cy="338554"/>
+          </a:xfrm>
+          <a:prstGeom prst="rect">
+            <a:avLst/>
+          </a:prstGeom>
+          <a:noFill/>
+        </p:spPr>
+        <p:txBody>
+          <a:bodyPr wrap="square" rtlCol="0">
+            <a:spAutoFit/>
+          </a:bodyPr>
+          <a:lstStyle/>
+          <a:p>
+            <a:pPr algn="ctr"/>
+            <a:r>
+              <a:rPr lang="en-VN" sz="1600" i="1">
+                <a:latin typeface="Times" pitchFamily="2" charset="0"/>
+              </a:rPr>
+              <a:t>m</a:t>
+            </a:r>
+          </a:p>
+        </p:txBody>
+      </p:sp>
+      <p:sp>
+        <p:nvSpPr>
+          <p:cNvPr id="16" name="Rectangle 15">
+            <a:extLst>
+              <a:ext uri="{FF2B5EF4-FFF2-40B4-BE49-F238E27FC236}">
+                <a16:creationId xmlns:a16="http://schemas.microsoft.com/office/drawing/2014/main" id="{9B737F44-4594-1247-8359-3954FEABC021}"/>
+              </a:ext>
+            </a:extLst>
+          </p:cNvPr>
+          <p:cNvSpPr/>
+          <p:nvPr/>
+        </p:nvSpPr>
+        <p:spPr>
+          <a:xfrm>
+            <a:off x="2688116" y="3317358"/>
+            <a:ext cx="1806766" cy="233916"/>
+          </a:xfrm>
+          <a:prstGeom prst="rect">
+            <a:avLst/>
+          </a:prstGeom>
+          <a:solidFill>
+            <a:srgbClr val="0070C0">
+              <a:alpha val="40000"/>
+            </a:srgbClr>
+          </a:solidFill>
+          <a:ln>
+            <a:noFill/>
+          </a:ln>
+        </p:spPr>
+        <p:style>
+          <a:lnRef idx="2">
+            <a:schemeClr val="accent1">
+              <a:shade val="50000"/>
+            </a:schemeClr>
+          </a:lnRef>
+          <a:fillRef idx="1">
+            <a:schemeClr val="accent1"/>
+          </a:fillRef>
+          <a:effectRef idx="0">
+            <a:schemeClr val="accent1"/>
+          </a:effectRef>
+          <a:fontRef idx="minor">
+            <a:schemeClr val="lt1"/>
+          </a:fontRef>
+        </p:style>
+        <p:txBody>
+          <a:bodyPr rtlCol="0" anchor="ctr"/>
+          <a:lstStyle/>
+          <a:p>
+            <a:pPr algn="ctr"/>
+            <a:endParaRPr lang="en-VN"/>
+          </a:p>
+        </p:txBody>
+      </p:sp>
+      <p:sp>
+        <p:nvSpPr>
+          <p:cNvPr id="17" name="Rectangle 16">
+            <a:extLst>
+              <a:ext uri="{FF2B5EF4-FFF2-40B4-BE49-F238E27FC236}">
+                <a16:creationId xmlns:a16="http://schemas.microsoft.com/office/drawing/2014/main" id="{5399A126-37CE-0749-90C3-65E57189E372}"/>
+              </a:ext>
+            </a:extLst>
+          </p:cNvPr>
+          <p:cNvSpPr/>
+          <p:nvPr/>
+        </p:nvSpPr>
+        <p:spPr>
+          <a:xfrm rot="5400000">
+            <a:off x="2694905" y="2686323"/>
+            <a:ext cx="2456761" cy="233916"/>
+          </a:xfrm>
+          <a:prstGeom prst="rect">
+            <a:avLst/>
+          </a:prstGeom>
+          <a:solidFill>
+            <a:srgbClr val="0070C0">
+              <a:alpha val="40000"/>
+            </a:srgbClr>
+          </a:solidFill>
+          <a:ln>
+            <a:noFill/>
+          </a:ln>
+        </p:spPr>
+        <p:style>
+          <a:lnRef idx="2">
+            <a:schemeClr val="accent1">
+              <a:shade val="50000"/>
+            </a:schemeClr>
+          </a:lnRef>
+          <a:fillRef idx="1">
+            <a:schemeClr val="accent1"/>
+          </a:fillRef>
+          <a:effectRef idx="0">
+            <a:schemeClr val="accent1"/>
+          </a:effectRef>
+          <a:fontRef idx="minor">
+            <a:schemeClr val="lt1"/>
+          </a:fontRef>
+        </p:style>
+        <p:txBody>
+          <a:bodyPr rtlCol="0" anchor="ctr"/>
+          <a:lstStyle/>
+          <a:p>
+            <a:pPr algn="ctr"/>
+            <a:endParaRPr lang="en-VN"/>
+          </a:p>
+        </p:txBody>
+      </p:sp>
+      <p:sp>
+        <p:nvSpPr>
+          <p:cNvPr id="18" name="TextBox 17">
+            <a:extLst>
+              <a:ext uri="{FF2B5EF4-FFF2-40B4-BE49-F238E27FC236}">
+                <a16:creationId xmlns:a16="http://schemas.microsoft.com/office/drawing/2014/main" id="{A56AE0CB-805C-4941-84DF-5903C173856D}"/>
+              </a:ext>
+            </a:extLst>
+          </p:cNvPr>
+          <p:cNvSpPr txBox="1"/>
+          <p:nvPr/>
+        </p:nvSpPr>
+        <p:spPr>
+          <a:xfrm>
+            <a:off x="4494882" y="3259723"/>
+            <a:ext cx="423568" cy="338554"/>
+          </a:xfrm>
+          <a:prstGeom prst="rect">
+            <a:avLst/>
+          </a:prstGeom>
+          <a:noFill/>
+        </p:spPr>
+        <p:txBody>
+          <a:bodyPr wrap="square" rtlCol="0">
+            <a:spAutoFit/>
+          </a:bodyPr>
+          <a:lstStyle/>
+          <a:p>
+            <a:pPr algn="ctr"/>
+            <a:r>
+              <a:rPr lang="en-VN" sz="1600" i="1">
+                <a:latin typeface="Times" pitchFamily="2" charset="0"/>
+              </a:rPr>
+              <a:t>u</a:t>
+            </a:r>
+          </a:p>
+        </p:txBody>
+      </p:sp>
+      <p:sp>
+        <p:nvSpPr>
+          <p:cNvPr id="19" name="TextBox 18">
+            <a:extLst>
+              <a:ext uri="{FF2B5EF4-FFF2-40B4-BE49-F238E27FC236}">
+                <a16:creationId xmlns:a16="http://schemas.microsoft.com/office/drawing/2014/main" id="{ADC86287-140D-D74C-BF69-4C360625DFDF}"/>
+              </a:ext>
+            </a:extLst>
+          </p:cNvPr>
+          <p:cNvSpPr txBox="1"/>
+          <p:nvPr/>
+        </p:nvSpPr>
+        <p:spPr>
+          <a:xfrm>
+            <a:off x="3708456" y="4073758"/>
+            <a:ext cx="429658" cy="338554"/>
+          </a:xfrm>
+          <a:prstGeom prst="rect">
+            <a:avLst/>
+          </a:prstGeom>
+          <a:noFill/>
+        </p:spPr>
+        <p:txBody>
+          <a:bodyPr wrap="square" rtlCol="0">
+            <a:spAutoFit/>
+          </a:bodyPr>
+          <a:lstStyle/>
+          <a:p>
+            <a:pPr algn="ctr"/>
+            <a:r>
+              <a:rPr lang="en-VN" sz="1600" i="1">
+                <a:latin typeface="Times" pitchFamily="2" charset="0"/>
+              </a:rPr>
+              <a:t>i</a:t>
+            </a:r>
+          </a:p>
+        </p:txBody>
+      </p:sp>
+      <p:sp>
+        <p:nvSpPr>
+          <p:cNvPr id="22" name="Rectangle 21">
+            <a:extLst>
+              <a:ext uri="{FF2B5EF4-FFF2-40B4-BE49-F238E27FC236}">
+                <a16:creationId xmlns:a16="http://schemas.microsoft.com/office/drawing/2014/main" id="{B44FFC4A-0345-6C43-9223-D696AF31F160}"/>
+              </a:ext>
+            </a:extLst>
+          </p:cNvPr>
+          <p:cNvSpPr/>
+          <p:nvPr/>
+        </p:nvSpPr>
+        <p:spPr>
+          <a:xfrm>
+            <a:off x="4918450" y="1575413"/>
+            <a:ext cx="720000" cy="2456761"/>
+          </a:xfrm>
+          <a:prstGeom prst="rect">
+            <a:avLst/>
+          </a:prstGeom>
+          <a:noFill/>
+          <a:ln w="19050">
+            <a:solidFill>
+              <a:schemeClr val="tx1">
+                <a:lumMod val="75000"/>
+                <a:lumOff val="25000"/>
+              </a:schemeClr>
+            </a:solidFill>
+          </a:ln>
+        </p:spPr>
+        <p:style>
+          <a:lnRef idx="2">
+            <a:schemeClr val="accent1">
+              <a:shade val="50000"/>
+            </a:schemeClr>
+          </a:lnRef>
+          <a:fillRef idx="1">
+            <a:schemeClr val="accent1"/>
+          </a:fillRef>
+          <a:effectRef idx="0">
+            <a:schemeClr val="accent1"/>
+          </a:effectRef>
+          <a:fontRef idx="minor">
+            <a:schemeClr val="lt1"/>
+          </a:fontRef>
+        </p:style>
+        <p:txBody>
+          <a:bodyPr rtlCol="0" anchor="ctr"/>
+          <a:lstStyle/>
+          <a:p>
+            <a:pPr algn="ctr"/>
+            <a:endParaRPr lang="en-VN"/>
+          </a:p>
+        </p:txBody>
+      </p:sp>
+      <p:sp>
+        <p:nvSpPr>
+          <p:cNvPr id="23" name="TextBox 22">
+            <a:extLst>
+              <a:ext uri="{FF2B5EF4-FFF2-40B4-BE49-F238E27FC236}">
+                <a16:creationId xmlns:a16="http://schemas.microsoft.com/office/drawing/2014/main" id="{E034EB12-2FFD-924A-8319-060F96DDA0FF}"/>
+              </a:ext>
+            </a:extLst>
+          </p:cNvPr>
+          <p:cNvSpPr txBox="1"/>
+          <p:nvPr/>
+        </p:nvSpPr>
+        <p:spPr>
+          <a:xfrm>
+            <a:off x="4918450" y="1575413"/>
+            <a:ext cx="449280" cy="338554"/>
+          </a:xfrm>
+          <a:prstGeom prst="rect">
+            <a:avLst/>
+          </a:prstGeom>
+          <a:noFill/>
+        </p:spPr>
+        <p:txBody>
+          <a:bodyPr wrap="square" rtlCol="0">
+            <a:spAutoFit/>
+          </a:bodyPr>
+          <a:lstStyle/>
+          <a:p>
+            <a:r>
+              <a:rPr lang="en-VN" sz="1600" b="1">
+                <a:latin typeface="Times" pitchFamily="2" charset="0"/>
+              </a:rPr>
+              <a:t>P</a:t>
+            </a:r>
+          </a:p>
+        </p:txBody>
+      </p:sp>
+      <p:cxnSp>
+        <p:nvCxnSpPr>
+          <p:cNvPr id="24" name="Straight Arrow Connector 23">
+            <a:extLst>
+              <a:ext uri="{FF2B5EF4-FFF2-40B4-BE49-F238E27FC236}">
+                <a16:creationId xmlns:a16="http://schemas.microsoft.com/office/drawing/2014/main" id="{42CD9930-0C90-1449-B8A3-7E04437A63B6}"/>
+              </a:ext>
+            </a:extLst>
+          </p:cNvPr>
+          <p:cNvCxnSpPr>
+            <a:cxnSpLocks/>
+          </p:cNvCxnSpPr>
+          <p:nvPr/>
+        </p:nvCxnSpPr>
+        <p:spPr>
+          <a:xfrm>
+            <a:off x="4918450" y="1377109"/>
+            <a:ext cx="720000" cy="0"/>
+          </a:xfrm>
+          <a:prstGeom prst="straightConnector1">
+            <a:avLst/>
+          </a:prstGeom>
+          <a:ln w="6350">
+            <a:solidFill>
+              <a:schemeClr val="tx1">
+                <a:lumMod val="75000"/>
+                <a:lumOff val="25000"/>
+              </a:schemeClr>
+            </a:solidFill>
+            <a:headEnd type="stealth"/>
+            <a:tailEnd type="stealth"/>
+          </a:ln>
+        </p:spPr>
+        <p:style>
+          <a:lnRef idx="1">
+            <a:schemeClr val="accent1"/>
+          </a:lnRef>
+          <a:fillRef idx="0">
+            <a:schemeClr val="accent1"/>
+          </a:fillRef>
+          <a:effectRef idx="0">
+            <a:schemeClr val="accent1"/>
+          </a:effectRef>
+          <a:fontRef idx="minor">
+            <a:schemeClr val="tx1"/>
+          </a:fontRef>
+        </p:style>
+      </p:cxnSp>
+      <p:sp>
+        <p:nvSpPr>
+          <p:cNvPr id="25" name="TextBox 24">
+            <a:extLst>
+              <a:ext uri="{FF2B5EF4-FFF2-40B4-BE49-F238E27FC236}">
+                <a16:creationId xmlns:a16="http://schemas.microsoft.com/office/drawing/2014/main" id="{6A5AF04C-5CC0-4A4D-B6F4-1542A190DE3C}"/>
+              </a:ext>
+            </a:extLst>
+          </p:cNvPr>
+          <p:cNvSpPr txBox="1"/>
+          <p:nvPr/>
+        </p:nvSpPr>
+        <p:spPr>
+          <a:xfrm>
+            <a:off x="5053810" y="1091720"/>
+            <a:ext cx="449280" cy="338554"/>
+          </a:xfrm>
+          <a:prstGeom prst="rect">
+            <a:avLst/>
+          </a:prstGeom>
+          <a:noFill/>
+        </p:spPr>
+        <p:txBody>
+          <a:bodyPr wrap="square" rtlCol="0">
+            <a:spAutoFit/>
+          </a:bodyPr>
+          <a:lstStyle/>
+          <a:p>
+            <a:pPr algn="ctr"/>
+            <a:r>
+              <a:rPr lang="en-VN" sz="1600" i="1">
+                <a:latin typeface="Times" pitchFamily="2" charset="0"/>
+              </a:rPr>
+              <a:t>k</a:t>
+            </a:r>
+          </a:p>
+        </p:txBody>
+      </p:sp>
+      <p:sp>
+        <p:nvSpPr>
+          <p:cNvPr id="28" name="Rectangle 27">
+            <a:extLst>
+              <a:ext uri="{FF2B5EF4-FFF2-40B4-BE49-F238E27FC236}">
+                <a16:creationId xmlns:a16="http://schemas.microsoft.com/office/drawing/2014/main" id="{F8A53722-650B-3148-9527-328369C1059E}"/>
+              </a:ext>
+            </a:extLst>
+          </p:cNvPr>
+          <p:cNvSpPr/>
+          <p:nvPr/>
+        </p:nvSpPr>
+        <p:spPr>
+          <a:xfrm>
+            <a:off x="4918450" y="3317358"/>
+            <a:ext cx="720000" cy="233916"/>
+          </a:xfrm>
+          <a:prstGeom prst="rect">
+            <a:avLst/>
+          </a:prstGeom>
+          <a:solidFill>
+            <a:srgbClr val="0070C0">
+              <a:alpha val="40000"/>
+            </a:srgbClr>
+          </a:solidFill>
+          <a:ln>
+            <a:noFill/>
+          </a:ln>
+        </p:spPr>
+        <p:style>
+          <a:lnRef idx="2">
+            <a:schemeClr val="accent1">
+              <a:shade val="50000"/>
+            </a:schemeClr>
+          </a:lnRef>
+          <a:fillRef idx="1">
+            <a:schemeClr val="accent1"/>
+          </a:fillRef>
+          <a:effectRef idx="0">
+            <a:schemeClr val="accent1"/>
+          </a:effectRef>
+          <a:fontRef idx="minor">
+            <a:schemeClr val="lt1"/>
+          </a:fontRef>
+        </p:style>
+        <p:txBody>
+          <a:bodyPr rtlCol="0" anchor="ctr"/>
+          <a:lstStyle/>
+          <a:p>
+            <a:pPr algn="ctr"/>
+            <a:endParaRPr lang="en-VN"/>
+          </a:p>
+        </p:txBody>
+      </p:sp>
+      <p:sp>
+        <p:nvSpPr>
+          <p:cNvPr id="46" name="Rectangle 45">
+            <a:extLst>
+              <a:ext uri="{FF2B5EF4-FFF2-40B4-BE49-F238E27FC236}">
+                <a16:creationId xmlns:a16="http://schemas.microsoft.com/office/drawing/2014/main" id="{25B59045-26FB-4341-9A0E-4F749AEB40FF}"/>
+              </a:ext>
+            </a:extLst>
+          </p:cNvPr>
+          <p:cNvSpPr/>
+          <p:nvPr/>
+        </p:nvSpPr>
+        <p:spPr>
+          <a:xfrm>
+            <a:off x="2688116" y="4456494"/>
+            <a:ext cx="1806766" cy="720000"/>
+          </a:xfrm>
+          <a:prstGeom prst="rect">
+            <a:avLst/>
+          </a:prstGeom>
+          <a:noFill/>
+          <a:ln w="19050">
+            <a:solidFill>
+              <a:schemeClr val="tx1">
+                <a:lumMod val="75000"/>
+                <a:lumOff val="25000"/>
+              </a:schemeClr>
+            </a:solidFill>
+          </a:ln>
+        </p:spPr>
+        <p:style>
+          <a:lnRef idx="2">
+            <a:schemeClr val="accent1">
+              <a:shade val="50000"/>
+            </a:schemeClr>
+          </a:lnRef>
+          <a:fillRef idx="1">
+            <a:schemeClr val="accent1"/>
+          </a:fillRef>
+          <a:effectRef idx="0">
+            <a:schemeClr val="accent1"/>
+          </a:effectRef>
+          <a:fontRef idx="minor">
+            <a:schemeClr val="lt1"/>
+          </a:fontRef>
+        </p:style>
+        <p:txBody>
+          <a:bodyPr rtlCol="0" anchor="ctr"/>
+          <a:lstStyle/>
+          <a:p>
+            <a:pPr algn="ctr"/>
+            <a:endParaRPr lang="en-VN"/>
+          </a:p>
+        </p:txBody>
+      </p:sp>
+      <p:sp>
+        <p:nvSpPr>
+          <p:cNvPr id="47" name="TextBox 46">
+            <a:extLst>
+              <a:ext uri="{FF2B5EF4-FFF2-40B4-BE49-F238E27FC236}">
+                <a16:creationId xmlns:a16="http://schemas.microsoft.com/office/drawing/2014/main" id="{7FE96235-C51F-714D-AC2B-4D29B2D2EA04}"/>
+              </a:ext>
+            </a:extLst>
+          </p:cNvPr>
+          <p:cNvSpPr txBox="1"/>
+          <p:nvPr/>
+        </p:nvSpPr>
+        <p:spPr>
+          <a:xfrm>
+            <a:off x="2688116" y="4455809"/>
+            <a:ext cx="429658" cy="338554"/>
+          </a:xfrm>
+          <a:prstGeom prst="rect">
+            <a:avLst/>
+          </a:prstGeom>
+          <a:noFill/>
+        </p:spPr>
+        <p:txBody>
+          <a:bodyPr wrap="square" rtlCol="0">
+            <a:spAutoFit/>
+          </a:bodyPr>
+          <a:lstStyle/>
+          <a:p>
+            <a:r>
+              <a:rPr lang="en-VN" sz="1600" b="1">
+                <a:latin typeface="Times" pitchFamily="2" charset="0"/>
+              </a:rPr>
+              <a:t>Q</a:t>
+            </a:r>
+          </a:p>
+        </p:txBody>
+      </p:sp>
+      <p:cxnSp>
+        <p:nvCxnSpPr>
+          <p:cNvPr id="50" name="Straight Arrow Connector 49">
+            <a:extLst>
+              <a:ext uri="{FF2B5EF4-FFF2-40B4-BE49-F238E27FC236}">
+                <a16:creationId xmlns:a16="http://schemas.microsoft.com/office/drawing/2014/main" id="{56C3E713-234C-0B45-AA56-1F6E262B1A76}"/>
+              </a:ext>
+            </a:extLst>
+          </p:cNvPr>
+          <p:cNvCxnSpPr>
+            <a:cxnSpLocks/>
+          </p:cNvCxnSpPr>
+          <p:nvPr/>
+        </p:nvCxnSpPr>
+        <p:spPr>
+          <a:xfrm>
+            <a:off x="2497440" y="4455809"/>
+            <a:ext cx="0" cy="720685"/>
+          </a:xfrm>
+          <a:prstGeom prst="straightConnector1">
+            <a:avLst/>
+          </a:prstGeom>
+          <a:ln w="6350">
+            <a:solidFill>
+              <a:schemeClr val="tx1">
+                <a:lumMod val="75000"/>
+                <a:lumOff val="25000"/>
+              </a:schemeClr>
+            </a:solidFill>
+            <a:headEnd type="stealth"/>
+            <a:tailEnd type="stealth"/>
+          </a:ln>
+        </p:spPr>
+        <p:style>
+          <a:lnRef idx="1">
+            <a:schemeClr val="accent1"/>
+          </a:lnRef>
+          <a:fillRef idx="0">
+            <a:schemeClr val="accent1"/>
+          </a:fillRef>
+          <a:effectRef idx="0">
+            <a:schemeClr val="accent1"/>
+          </a:effectRef>
+          <a:fontRef idx="minor">
+            <a:schemeClr val="tx1"/>
+          </a:fontRef>
+        </p:style>
+      </p:cxnSp>
+      <p:sp>
+        <p:nvSpPr>
+          <p:cNvPr id="51" name="TextBox 50">
+            <a:extLst>
+              <a:ext uri="{FF2B5EF4-FFF2-40B4-BE49-F238E27FC236}">
+                <a16:creationId xmlns:a16="http://schemas.microsoft.com/office/drawing/2014/main" id="{433A42B3-6FAD-5348-9775-50D76A3DAC33}"/>
+              </a:ext>
+            </a:extLst>
+          </p:cNvPr>
+          <p:cNvSpPr txBox="1"/>
+          <p:nvPr/>
+        </p:nvSpPr>
+        <p:spPr>
+          <a:xfrm>
+            <a:off x="2122676" y="4646874"/>
+            <a:ext cx="429658" cy="338554"/>
+          </a:xfrm>
+          <a:prstGeom prst="rect">
+            <a:avLst/>
+          </a:prstGeom>
+          <a:noFill/>
+        </p:spPr>
+        <p:txBody>
+          <a:bodyPr wrap="square" rtlCol="0">
+            <a:spAutoFit/>
+          </a:bodyPr>
+          <a:lstStyle/>
+          <a:p>
+            <a:pPr algn="ctr"/>
+            <a:r>
+              <a:rPr lang="en-VN" sz="1600" i="1">
+                <a:latin typeface="Times" pitchFamily="2" charset="0"/>
+              </a:rPr>
+              <a:t>k</a:t>
+            </a:r>
+          </a:p>
+        </p:txBody>
+      </p:sp>
+      <p:sp>
+        <p:nvSpPr>
+          <p:cNvPr id="53" name="Rectangle 52">
+            <a:extLst>
+              <a:ext uri="{FF2B5EF4-FFF2-40B4-BE49-F238E27FC236}">
+                <a16:creationId xmlns:a16="http://schemas.microsoft.com/office/drawing/2014/main" id="{8EA2F7AC-4145-F244-A6B3-8556D38878B1}"/>
+              </a:ext>
+            </a:extLst>
+          </p:cNvPr>
+          <p:cNvSpPr/>
+          <p:nvPr/>
+        </p:nvSpPr>
+        <p:spPr>
+          <a:xfrm rot="5400000">
+            <a:off x="3563243" y="4699494"/>
+            <a:ext cx="720000" cy="234000"/>
+          </a:xfrm>
+          <a:prstGeom prst="rect">
+            <a:avLst/>
+          </a:prstGeom>
+          <a:solidFill>
+            <a:srgbClr val="0070C0">
+              <a:alpha val="40000"/>
+            </a:srgbClr>
+          </a:solidFill>
+          <a:ln>
+            <a:noFill/>
+          </a:ln>
+        </p:spPr>
+        <p:style>
+          <a:lnRef idx="2">
+            <a:schemeClr val="accent1">
+              <a:shade val="50000"/>
+            </a:schemeClr>
+          </a:lnRef>
+          <a:fillRef idx="1">
+            <a:schemeClr val="accent1"/>
+          </a:fillRef>
+          <a:effectRef idx="0">
+            <a:schemeClr val="accent1"/>
+          </a:effectRef>
+          <a:fontRef idx="minor">
+            <a:schemeClr val="lt1"/>
+          </a:fontRef>
+        </p:style>
+        <p:txBody>
+          <a:bodyPr rtlCol="0" anchor="ctr"/>
+          <a:lstStyle/>
+          <a:p>
+            <a:pPr algn="ctr"/>
+            <a:endParaRPr lang="en-VN"/>
+          </a:p>
+        </p:txBody>
+      </p:sp>
+    </p:spTree>
+    <p:extLst>
+      <p:ext uri="{BB962C8B-B14F-4D97-AF65-F5344CB8AC3E}">
+        <p14:creationId xmlns:p14="http://schemas.microsoft.com/office/powerpoint/2010/main" val="3617940449"/>
+      </p:ext>
+    </p:extLst>
+  </p:cSld>
+  <p:clrMapOvr>
+    <a:masterClrMapping/>
+  </p:clrMapOvr>
+</p:sld>
+</file>
+
 <file path=ppt/theme/theme1.xml><?xml version="1.0" encoding="utf-8"?>
 <a:theme xmlns:a="http://schemas.openxmlformats.org/drawingml/2006/main" name="Office Theme">
   <a:themeElements>
